--- a/dashboard.pptx
+++ b/dashboard.pptx
@@ -104,6 +104,11 @@
       </a:defRPr>
     </a:lvl9pPr>
   </p:defaultTextStyle>
+  <p:extLst>
+    <p:ext uri="{EFAFB233-063F-42B5-8137-9DF3F51BA10A}">
+      <p15:sldGuideLst xmlns:p15="http://schemas.microsoft.com/office/powerpoint/2012/main"/>
+    </p:ext>
+  </p:extLst>
 </p:presentation>
 </file>
 
@@ -238,7 +243,7 @@
           <a:p>
             <a:fld id="{0A7CC8D0-56FA-4A16-85A3-DE8172CD6039}" type="datetimeFigureOut">
               <a:rPr lang="hu-HU" smtClean="0"/>
-              <a:t>2026.02.02.</a:t>
+              <a:t>2026.02.06.</a:t>
             </a:fld>
             <a:endParaRPr lang="hu-HU"/>
           </a:p>
@@ -408,7 +413,7 @@
           <a:p>
             <a:fld id="{0A7CC8D0-56FA-4A16-85A3-DE8172CD6039}" type="datetimeFigureOut">
               <a:rPr lang="hu-HU" smtClean="0"/>
-              <a:t>2026.02.02.</a:t>
+              <a:t>2026.02.06.</a:t>
             </a:fld>
             <a:endParaRPr lang="hu-HU"/>
           </a:p>
@@ -588,7 +593,7 @@
           <a:p>
             <a:fld id="{0A7CC8D0-56FA-4A16-85A3-DE8172CD6039}" type="datetimeFigureOut">
               <a:rPr lang="hu-HU" smtClean="0"/>
-              <a:t>2026.02.02.</a:t>
+              <a:t>2026.02.06.</a:t>
             </a:fld>
             <a:endParaRPr lang="hu-HU"/>
           </a:p>
@@ -758,7 +763,7 @@
           <a:p>
             <a:fld id="{0A7CC8D0-56FA-4A16-85A3-DE8172CD6039}" type="datetimeFigureOut">
               <a:rPr lang="hu-HU" smtClean="0"/>
-              <a:t>2026.02.02.</a:t>
+              <a:t>2026.02.06.</a:t>
             </a:fld>
             <a:endParaRPr lang="hu-HU"/>
           </a:p>
@@ -1004,7 +1009,7 @@
           <a:p>
             <a:fld id="{0A7CC8D0-56FA-4A16-85A3-DE8172CD6039}" type="datetimeFigureOut">
               <a:rPr lang="hu-HU" smtClean="0"/>
-              <a:t>2026.02.02.</a:t>
+              <a:t>2026.02.06.</a:t>
             </a:fld>
             <a:endParaRPr lang="hu-HU"/>
           </a:p>
@@ -1236,7 +1241,7 @@
           <a:p>
             <a:fld id="{0A7CC8D0-56FA-4A16-85A3-DE8172CD6039}" type="datetimeFigureOut">
               <a:rPr lang="hu-HU" smtClean="0"/>
-              <a:t>2026.02.02.</a:t>
+              <a:t>2026.02.06.</a:t>
             </a:fld>
             <a:endParaRPr lang="hu-HU"/>
           </a:p>
@@ -1603,7 +1608,7 @@
           <a:p>
             <a:fld id="{0A7CC8D0-56FA-4A16-85A3-DE8172CD6039}" type="datetimeFigureOut">
               <a:rPr lang="hu-HU" smtClean="0"/>
-              <a:t>2026.02.02.</a:t>
+              <a:t>2026.02.06.</a:t>
             </a:fld>
             <a:endParaRPr lang="hu-HU"/>
           </a:p>
@@ -1721,7 +1726,7 @@
           <a:p>
             <a:fld id="{0A7CC8D0-56FA-4A16-85A3-DE8172CD6039}" type="datetimeFigureOut">
               <a:rPr lang="hu-HU" smtClean="0"/>
-              <a:t>2026.02.02.</a:t>
+              <a:t>2026.02.06.</a:t>
             </a:fld>
             <a:endParaRPr lang="hu-HU"/>
           </a:p>
@@ -1816,7 +1821,7 @@
           <a:p>
             <a:fld id="{0A7CC8D0-56FA-4A16-85A3-DE8172CD6039}" type="datetimeFigureOut">
               <a:rPr lang="hu-HU" smtClean="0"/>
-              <a:t>2026.02.02.</a:t>
+              <a:t>2026.02.06.</a:t>
             </a:fld>
             <a:endParaRPr lang="hu-HU"/>
           </a:p>
@@ -2093,7 +2098,7 @@
           <a:p>
             <a:fld id="{0A7CC8D0-56FA-4A16-85A3-DE8172CD6039}" type="datetimeFigureOut">
               <a:rPr lang="hu-HU" smtClean="0"/>
-              <a:t>2026.02.02.</a:t>
+              <a:t>2026.02.06.</a:t>
             </a:fld>
             <a:endParaRPr lang="hu-HU"/>
           </a:p>
@@ -2350,7 +2355,7 @@
           <a:p>
             <a:fld id="{0A7CC8D0-56FA-4A16-85A3-DE8172CD6039}" type="datetimeFigureOut">
               <a:rPr lang="hu-HU" smtClean="0"/>
-              <a:t>2026.02.02.</a:t>
+              <a:t>2026.02.06.</a:t>
             </a:fld>
             <a:endParaRPr lang="hu-HU"/>
           </a:p>
@@ -2563,7 +2568,7 @@
           <a:p>
             <a:fld id="{0A7CC8D0-56FA-4A16-85A3-DE8172CD6039}" type="datetimeFigureOut">
               <a:rPr lang="hu-HU" smtClean="0"/>
-              <a:t>2026.02.02.</a:t>
+              <a:t>2026.02.06.</a:t>
             </a:fld>
             <a:endParaRPr lang="hu-HU"/>
           </a:p>
@@ -3107,8 +3112,8 @@
         </p:nvSpPr>
         <p:spPr>
           <a:xfrm>
-            <a:off x="394335" y="1392701"/>
-            <a:ext cx="17499330" cy="8706040"/>
+            <a:off x="394335" y="1113183"/>
+            <a:ext cx="17499330" cy="8985558"/>
           </a:xfrm>
           <a:prstGeom prst="roundRect">
             <a:avLst>
